--- a/PPTs/753.pptx
+++ b/PPTs/753.pptx
@@ -24152,7 +24152,7 @@
           <a:p>
             <a:fld id="{CCB236BB-53DE-4462-8C4F-7698E6995948}" type="datetimeFigureOut">
               <a:rPr lang="en-IN" smtClean="0"/>
-              <a:t>07-02-2021</a:t>
+              <a:t>21-03-2021</a:t>
             </a:fld>
             <a:endParaRPr lang="en-IN" dirty="0"/>
           </a:p>
@@ -24352,7 +24352,7 @@
           <a:p>
             <a:fld id="{CCB236BB-53DE-4462-8C4F-7698E6995948}" type="datetimeFigureOut">
               <a:rPr lang="en-IN" smtClean="0"/>
-              <a:t>07-02-2021</a:t>
+              <a:t>21-03-2021</a:t>
             </a:fld>
             <a:endParaRPr lang="en-IN" dirty="0"/>
           </a:p>
@@ -24562,7 +24562,7 @@
           <a:p>
             <a:fld id="{CCB236BB-53DE-4462-8C4F-7698E6995948}" type="datetimeFigureOut">
               <a:rPr lang="en-IN" smtClean="0"/>
-              <a:t>07-02-2021</a:t>
+              <a:t>21-03-2021</a:t>
             </a:fld>
             <a:endParaRPr lang="en-IN" dirty="0"/>
           </a:p>
@@ -24762,7 +24762,7 @@
           <a:p>
             <a:fld id="{CCB236BB-53DE-4462-8C4F-7698E6995948}" type="datetimeFigureOut">
               <a:rPr lang="en-IN" smtClean="0"/>
-              <a:t>07-02-2021</a:t>
+              <a:t>21-03-2021</a:t>
             </a:fld>
             <a:endParaRPr lang="en-IN" dirty="0"/>
           </a:p>
@@ -25038,7 +25038,7 @@
           <a:p>
             <a:fld id="{CCB236BB-53DE-4462-8C4F-7698E6995948}" type="datetimeFigureOut">
               <a:rPr lang="en-IN" smtClean="0"/>
-              <a:t>07-02-2021</a:t>
+              <a:t>21-03-2021</a:t>
             </a:fld>
             <a:endParaRPr lang="en-IN" dirty="0"/>
           </a:p>
@@ -25306,7 +25306,7 @@
           <a:p>
             <a:fld id="{CCB236BB-53DE-4462-8C4F-7698E6995948}" type="datetimeFigureOut">
               <a:rPr lang="en-IN" smtClean="0"/>
-              <a:t>07-02-2021</a:t>
+              <a:t>21-03-2021</a:t>
             </a:fld>
             <a:endParaRPr lang="en-IN" dirty="0"/>
           </a:p>
@@ -25721,7 +25721,7 @@
           <a:p>
             <a:fld id="{CCB236BB-53DE-4462-8C4F-7698E6995948}" type="datetimeFigureOut">
               <a:rPr lang="en-IN" smtClean="0"/>
-              <a:t>07-02-2021</a:t>
+              <a:t>21-03-2021</a:t>
             </a:fld>
             <a:endParaRPr lang="en-IN" dirty="0"/>
           </a:p>
@@ -25863,7 +25863,7 @@
           <a:p>
             <a:fld id="{CCB236BB-53DE-4462-8C4F-7698E6995948}" type="datetimeFigureOut">
               <a:rPr lang="en-IN" smtClean="0"/>
-              <a:t>07-02-2021</a:t>
+              <a:t>21-03-2021</a:t>
             </a:fld>
             <a:endParaRPr lang="en-IN" dirty="0"/>
           </a:p>
@@ -25976,7 +25976,7 @@
           <a:p>
             <a:fld id="{CCB236BB-53DE-4462-8C4F-7698E6995948}" type="datetimeFigureOut">
               <a:rPr lang="en-IN" smtClean="0"/>
-              <a:t>07-02-2021</a:t>
+              <a:t>21-03-2021</a:t>
             </a:fld>
             <a:endParaRPr lang="en-IN" dirty="0"/>
           </a:p>
@@ -26289,7 +26289,7 @@
           <a:p>
             <a:fld id="{CCB236BB-53DE-4462-8C4F-7698E6995948}" type="datetimeFigureOut">
               <a:rPr lang="en-IN" smtClean="0"/>
-              <a:t>07-02-2021</a:t>
+              <a:t>21-03-2021</a:t>
             </a:fld>
             <a:endParaRPr lang="en-IN" dirty="0"/>
           </a:p>
@@ -26578,7 +26578,7 @@
           <a:p>
             <a:fld id="{CCB236BB-53DE-4462-8C4F-7698E6995948}" type="datetimeFigureOut">
               <a:rPr lang="en-IN" smtClean="0"/>
-              <a:t>07-02-2021</a:t>
+              <a:t>21-03-2021</a:t>
             </a:fld>
             <a:endParaRPr lang="en-IN" dirty="0"/>
           </a:p>
@@ -26824,7 +26824,7 @@
           <a:p>
             <a:fld id="{CCB236BB-53DE-4462-8C4F-7698E6995948}" type="datetimeFigureOut">
               <a:rPr lang="en-IN" smtClean="0"/>
-              <a:t>07-02-2021</a:t>
+              <a:t>21-03-2021</a:t>
             </a:fld>
             <a:endParaRPr lang="en-IN" dirty="0"/>
           </a:p>
